--- a/inst/tmp.pptx
+++ b/inst/tmp.pptx
@@ -5,7 +5,7 @@
     <p:sldMasterId id="2147483648" r:id="rId1"/>
   </p:sldMasterIdLst>
   <p:notesMasterIdLst>
-    <p:notesMasterId r:id="rId11"/>
+    <p:notesMasterId r:id="rId12"/>
   </p:notesMasterIdLst>
   <p:sldIdLst>
     <p:sldId id="258" r:id="rId2"/>
@@ -15,8 +15,9 @@
     <p:sldId id="259" r:id="rId6"/>
     <p:sldId id="260" r:id="rId7"/>
     <p:sldId id="265" r:id="rId8"/>
-    <p:sldId id="262" r:id="rId9"/>
-    <p:sldId id="263" r:id="rId10"/>
+    <p:sldId id="267" r:id="rId9"/>
+    <p:sldId id="262" r:id="rId10"/>
+    <p:sldId id="263" r:id="rId11"/>
   </p:sldIdLst>
   <p:sldSz cx="12192000" cy="6858000"/>
   <p:notesSz cx="6858000" cy="9144000"/>
@@ -205,7 +206,7 @@
           <a:p>
             <a:fld id="{DB793187-038D-46E7-93F5-6A59D77E4888}" type="datetimeFigureOut">
               <a:rPr lang="en-US" smtClean="0"/>
-              <a:t>3/3/2019</a:t>
+              <a:t>12/23/2019</a:t>
             </a:fld>
             <a:endParaRPr lang="en-US"/>
           </a:p>
@@ -706,7 +707,7 @@
           <a:p>
             <a:fld id="{63C097CE-CE30-40FD-8349-F85D75ED7B0A}" type="datetimeFigureOut">
               <a:rPr lang="en-US" smtClean="0"/>
-              <a:t>3/3/2019</a:t>
+              <a:t>12/23/2019</a:t>
             </a:fld>
             <a:endParaRPr lang="en-US"/>
           </a:p>
@@ -906,7 +907,7 @@
           <a:p>
             <a:fld id="{63C097CE-CE30-40FD-8349-F85D75ED7B0A}" type="datetimeFigureOut">
               <a:rPr lang="en-US" smtClean="0"/>
-              <a:t>3/3/2019</a:t>
+              <a:t>12/23/2019</a:t>
             </a:fld>
             <a:endParaRPr lang="en-US"/>
           </a:p>
@@ -1116,7 +1117,7 @@
           <a:p>
             <a:fld id="{63C097CE-CE30-40FD-8349-F85D75ED7B0A}" type="datetimeFigureOut">
               <a:rPr lang="en-US" smtClean="0"/>
-              <a:t>3/3/2019</a:t>
+              <a:t>12/23/2019</a:t>
             </a:fld>
             <a:endParaRPr lang="en-US"/>
           </a:p>
@@ -1316,7 +1317,7 @@
           <a:p>
             <a:fld id="{63C097CE-CE30-40FD-8349-F85D75ED7B0A}" type="datetimeFigureOut">
               <a:rPr lang="en-US" smtClean="0"/>
-              <a:t>3/3/2019</a:t>
+              <a:t>12/23/2019</a:t>
             </a:fld>
             <a:endParaRPr lang="en-US"/>
           </a:p>
@@ -1592,7 +1593,7 @@
           <a:p>
             <a:fld id="{63C097CE-CE30-40FD-8349-F85D75ED7B0A}" type="datetimeFigureOut">
               <a:rPr lang="en-US" smtClean="0"/>
-              <a:t>3/3/2019</a:t>
+              <a:t>12/23/2019</a:t>
             </a:fld>
             <a:endParaRPr lang="en-US"/>
           </a:p>
@@ -1860,7 +1861,7 @@
           <a:p>
             <a:fld id="{63C097CE-CE30-40FD-8349-F85D75ED7B0A}" type="datetimeFigureOut">
               <a:rPr lang="en-US" smtClean="0"/>
-              <a:t>3/3/2019</a:t>
+              <a:t>12/23/2019</a:t>
             </a:fld>
             <a:endParaRPr lang="en-US"/>
           </a:p>
@@ -2275,7 +2276,7 @@
           <a:p>
             <a:fld id="{63C097CE-CE30-40FD-8349-F85D75ED7B0A}" type="datetimeFigureOut">
               <a:rPr lang="en-US" smtClean="0"/>
-              <a:t>3/3/2019</a:t>
+              <a:t>12/23/2019</a:t>
             </a:fld>
             <a:endParaRPr lang="en-US"/>
           </a:p>
@@ -2417,7 +2418,7 @@
           <a:p>
             <a:fld id="{63C097CE-CE30-40FD-8349-F85D75ED7B0A}" type="datetimeFigureOut">
               <a:rPr lang="en-US" smtClean="0"/>
-              <a:t>3/3/2019</a:t>
+              <a:t>12/23/2019</a:t>
             </a:fld>
             <a:endParaRPr lang="en-US"/>
           </a:p>
@@ -2530,7 +2531,7 @@
           <a:p>
             <a:fld id="{63C097CE-CE30-40FD-8349-F85D75ED7B0A}" type="datetimeFigureOut">
               <a:rPr lang="en-US" smtClean="0"/>
-              <a:t>3/3/2019</a:t>
+              <a:t>12/23/2019</a:t>
             </a:fld>
             <a:endParaRPr lang="en-US"/>
           </a:p>
@@ -2843,7 +2844,7 @@
           <a:p>
             <a:fld id="{63C097CE-CE30-40FD-8349-F85D75ED7B0A}" type="datetimeFigureOut">
               <a:rPr lang="en-US" smtClean="0"/>
-              <a:t>3/3/2019</a:t>
+              <a:t>12/23/2019</a:t>
             </a:fld>
             <a:endParaRPr lang="en-US"/>
           </a:p>
@@ -3132,7 +3133,7 @@
           <a:p>
             <a:fld id="{63C097CE-CE30-40FD-8349-F85D75ED7B0A}" type="datetimeFigureOut">
               <a:rPr lang="en-US" smtClean="0"/>
-              <a:t>3/3/2019</a:t>
+              <a:t>12/23/2019</a:t>
             </a:fld>
             <a:endParaRPr lang="en-US"/>
           </a:p>
@@ -3375,7 +3376,7 @@
           <a:p>
             <a:fld id="{63C097CE-CE30-40FD-8349-F85D75ED7B0A}" type="datetimeFigureOut">
               <a:rPr lang="en-US" smtClean="0"/>
-              <a:t>3/3/2019</a:t>
+              <a:t>12/23/2019</a:t>
             </a:fld>
             <a:endParaRPr lang="en-US"/>
           </a:p>
@@ -5622,6 +5623,240 @@
 </p:sld>
 </file>
 
+<file path=ppt/slides/slide10.xml><?xml version="1.0" encoding="utf-8"?>
+<p:sld xmlns:a="http://schemas.openxmlformats.org/drawingml/2006/main" xmlns:r="http://schemas.openxmlformats.org/officeDocument/2006/relationships" xmlns:p="http://schemas.openxmlformats.org/presentationml/2006/main">
+  <p:cSld>
+    <p:spTree>
+      <p:nvGrpSpPr>
+        <p:cNvPr id="1" name=""/>
+        <p:cNvGrpSpPr/>
+        <p:nvPr/>
+      </p:nvGrpSpPr>
+      <p:grpSpPr>
+        <a:xfrm>
+          <a:off x="0" y="0"/>
+          <a:ext cx="0" cy="0"/>
+          <a:chOff x="0" y="0"/>
+          <a:chExt cx="0" cy="0"/>
+        </a:xfrm>
+      </p:grpSpPr>
+      <p:pic>
+        <p:nvPicPr>
+          <p:cNvPr id="4" name="Image 3">
+            <a:extLst>
+              <a:ext uri="{FF2B5EF4-FFF2-40B4-BE49-F238E27FC236}">
+                <a16:creationId xmlns:a16="http://schemas.microsoft.com/office/drawing/2014/main" id="{7948D92B-6A99-487D-A9B8-3A137E3283B8}"/>
+              </a:ext>
+            </a:extLst>
+          </p:cNvPr>
+          <p:cNvPicPr>
+            <a:picLocks noChangeAspect="1"/>
+          </p:cNvPicPr>
+          <p:nvPr/>
+        </p:nvPicPr>
+        <p:blipFill>
+          <a:blip r:embed="rId2"/>
+          <a:stretch>
+            <a:fillRect/>
+          </a:stretch>
+        </p:blipFill>
+        <p:spPr>
+          <a:xfrm>
+            <a:off x="1875349" y="850496"/>
+            <a:ext cx="4839119" cy="3993226"/>
+          </a:xfrm>
+          <a:prstGeom prst="rect">
+            <a:avLst/>
+          </a:prstGeom>
+        </p:spPr>
+      </p:pic>
+      <p:cxnSp>
+        <p:nvCxnSpPr>
+          <p:cNvPr id="6" name="Connecteur droit avec flèche 5">
+            <a:extLst>
+              <a:ext uri="{FF2B5EF4-FFF2-40B4-BE49-F238E27FC236}">
+                <a16:creationId xmlns:a16="http://schemas.microsoft.com/office/drawing/2014/main" id="{5C4EBA06-2290-4667-B749-2CCAAAE1225A}"/>
+              </a:ext>
+            </a:extLst>
+          </p:cNvPr>
+          <p:cNvCxnSpPr>
+            <a:cxnSpLocks/>
+          </p:cNvCxnSpPr>
+          <p:nvPr/>
+        </p:nvCxnSpPr>
+        <p:spPr>
+          <a:xfrm flipH="1" flipV="1">
+            <a:off x="5384798" y="2109052"/>
+            <a:ext cx="480292" cy="532548"/>
+          </a:xfrm>
+          <a:prstGeom prst="straightConnector1">
+            <a:avLst/>
+          </a:prstGeom>
+          <a:ln>
+            <a:solidFill>
+              <a:srgbClr val="0000FF"/>
+            </a:solidFill>
+            <a:prstDash val="dash"/>
+            <a:tailEnd type="triangle"/>
+          </a:ln>
+        </p:spPr>
+        <p:style>
+          <a:lnRef idx="1">
+            <a:schemeClr val="accent1"/>
+          </a:lnRef>
+          <a:fillRef idx="0">
+            <a:schemeClr val="accent1"/>
+          </a:fillRef>
+          <a:effectRef idx="0">
+            <a:schemeClr val="accent1"/>
+          </a:effectRef>
+          <a:fontRef idx="minor">
+            <a:schemeClr val="tx1"/>
+          </a:fontRef>
+        </p:style>
+      </p:cxnSp>
+      <p:sp>
+        <p:nvSpPr>
+          <p:cNvPr id="7" name="ZoneTexte 6">
+            <a:extLst>
+              <a:ext uri="{FF2B5EF4-FFF2-40B4-BE49-F238E27FC236}">
+                <a16:creationId xmlns:a16="http://schemas.microsoft.com/office/drawing/2014/main" id="{B3BF6AD5-AE32-42A8-8E8A-F1596D31EDBF}"/>
+              </a:ext>
+            </a:extLst>
+          </p:cNvPr>
+          <p:cNvSpPr txBox="1"/>
+          <p:nvPr/>
+        </p:nvSpPr>
+        <p:spPr>
+          <a:xfrm>
+            <a:off x="4063999" y="1468554"/>
+            <a:ext cx="1801091" cy="830997"/>
+          </a:xfrm>
+          <a:prstGeom prst="rect">
+            <a:avLst/>
+          </a:prstGeom>
+          <a:noFill/>
+        </p:spPr>
+        <p:txBody>
+          <a:bodyPr wrap="square" rtlCol="0">
+            <a:spAutoFit/>
+          </a:bodyPr>
+          <a:lstStyle/>
+          <a:p>
+            <a:r>
+              <a:rPr lang="en-US" sz="1600" dirty="0">
+                <a:solidFill>
+                  <a:srgbClr val="0000FF"/>
+                </a:solidFill>
+              </a:rPr>
+              <a:t>m/z and intensity of matched query fragments </a:t>
+            </a:r>
+          </a:p>
+        </p:txBody>
+      </p:sp>
+      <p:cxnSp>
+        <p:nvCxnSpPr>
+          <p:cNvPr id="8" name="Connecteur droit avec flèche 7">
+            <a:extLst>
+              <a:ext uri="{FF2B5EF4-FFF2-40B4-BE49-F238E27FC236}">
+                <a16:creationId xmlns:a16="http://schemas.microsoft.com/office/drawing/2014/main" id="{1EAB709B-ECB1-4D10-94E6-D957B24873B5}"/>
+              </a:ext>
+            </a:extLst>
+          </p:cNvPr>
+          <p:cNvCxnSpPr>
+            <a:cxnSpLocks/>
+          </p:cNvCxnSpPr>
+          <p:nvPr/>
+        </p:nvCxnSpPr>
+        <p:spPr>
+          <a:xfrm flipH="1" flipV="1">
+            <a:off x="4904506" y="2299551"/>
+            <a:ext cx="480292" cy="1616667"/>
+          </a:xfrm>
+          <a:prstGeom prst="straightConnector1">
+            <a:avLst/>
+          </a:prstGeom>
+          <a:ln>
+            <a:solidFill>
+              <a:srgbClr val="0000FF"/>
+            </a:solidFill>
+            <a:prstDash val="dash"/>
+            <a:tailEnd type="triangle"/>
+          </a:ln>
+        </p:spPr>
+        <p:style>
+          <a:lnRef idx="1">
+            <a:schemeClr val="accent1"/>
+          </a:lnRef>
+          <a:fillRef idx="0">
+            <a:schemeClr val="accent1"/>
+          </a:fillRef>
+          <a:effectRef idx="0">
+            <a:schemeClr val="accent1"/>
+          </a:effectRef>
+          <a:fontRef idx="minor">
+            <a:schemeClr val="tx1"/>
+          </a:fontRef>
+        </p:style>
+      </p:cxnSp>
+      <p:cxnSp>
+        <p:nvCxnSpPr>
+          <p:cNvPr id="9" name="Connecteur droit avec flèche 8">
+            <a:extLst>
+              <a:ext uri="{FF2B5EF4-FFF2-40B4-BE49-F238E27FC236}">
+                <a16:creationId xmlns:a16="http://schemas.microsoft.com/office/drawing/2014/main" id="{9799DB40-8FFA-4DCC-A903-BA95FFC3E68E}"/>
+              </a:ext>
+            </a:extLst>
+          </p:cNvPr>
+          <p:cNvCxnSpPr>
+            <a:cxnSpLocks/>
+          </p:cNvCxnSpPr>
+          <p:nvPr/>
+        </p:nvCxnSpPr>
+        <p:spPr>
+          <a:xfrm flipV="1">
+            <a:off x="3768436" y="2299551"/>
+            <a:ext cx="711194" cy="1044013"/>
+          </a:xfrm>
+          <a:prstGeom prst="straightConnector1">
+            <a:avLst/>
+          </a:prstGeom>
+          <a:ln>
+            <a:solidFill>
+              <a:srgbClr val="0000FF"/>
+            </a:solidFill>
+            <a:prstDash val="dash"/>
+            <a:tailEnd type="triangle"/>
+          </a:ln>
+        </p:spPr>
+        <p:style>
+          <a:lnRef idx="1">
+            <a:schemeClr val="accent1"/>
+          </a:lnRef>
+          <a:fillRef idx="0">
+            <a:schemeClr val="accent1"/>
+          </a:fillRef>
+          <a:effectRef idx="0">
+            <a:schemeClr val="accent1"/>
+          </a:effectRef>
+          <a:fontRef idx="minor">
+            <a:schemeClr val="tx1"/>
+          </a:fontRef>
+        </p:style>
+      </p:cxnSp>
+    </p:spTree>
+    <p:extLst>
+      <p:ext uri="{BB962C8B-B14F-4D97-AF65-F5344CB8AC3E}">
+        <p14:creationId xmlns:p14="http://schemas.microsoft.com/office/powerpoint/2010/main" val="2483153400"/>
+      </p:ext>
+    </p:extLst>
+  </p:cSld>
+  <p:clrMapOvr>
+    <a:masterClrMapping/>
+  </p:clrMapOvr>
+</p:sld>
+</file>
+
 <file path=ppt/slides/slide2.xml><?xml version="1.0" encoding="utf-8"?>
 <p:sld xmlns:a="http://schemas.openxmlformats.org/drawingml/2006/main" xmlns:r="http://schemas.openxmlformats.org/officeDocument/2006/relationships" xmlns:p="http://schemas.openxmlformats.org/presentationml/2006/main">
   <p:cSld>
@@ -11509,66 +11744,12 @@
           <a:chExt cx="0" cy="0"/>
         </a:xfrm>
       </p:grpSpPr>
-      <p:sp>
-        <p:nvSpPr>
-          <p:cNvPr id="34" name="Rectangle 33">
-            <a:extLst>
-              <a:ext uri="{FF2B5EF4-FFF2-40B4-BE49-F238E27FC236}">
-                <a16:creationId xmlns:a16="http://schemas.microsoft.com/office/drawing/2014/main" id="{3B7AB05D-59C0-412F-90BA-E7538D3CFD01}"/>
-              </a:ext>
-            </a:extLst>
-          </p:cNvPr>
-          <p:cNvSpPr/>
-          <p:nvPr/>
-        </p:nvSpPr>
-        <p:spPr>
-          <a:xfrm>
-            <a:off x="1218607" y="-499516"/>
-            <a:ext cx="7925393" cy="8243397"/>
-          </a:xfrm>
-          <a:prstGeom prst="rect">
-            <a:avLst/>
-          </a:prstGeom>
-          <a:solidFill>
-            <a:schemeClr val="bg1"/>
-          </a:solidFill>
-          <a:ln>
-            <a:solidFill>
-              <a:schemeClr val="bg1"/>
-            </a:solidFill>
-          </a:ln>
-        </p:spPr>
-        <p:style>
-          <a:lnRef idx="2">
-            <a:schemeClr val="accent1">
-              <a:shade val="50000"/>
-            </a:schemeClr>
-          </a:lnRef>
-          <a:fillRef idx="1">
-            <a:schemeClr val="accent1"/>
-          </a:fillRef>
-          <a:effectRef idx="0">
-            <a:schemeClr val="accent1"/>
-          </a:effectRef>
-          <a:fontRef idx="minor">
-            <a:schemeClr val="lt1"/>
-          </a:fontRef>
-        </p:style>
-        <p:txBody>
-          <a:bodyPr rtlCol="0" anchor="ctr"/>
-          <a:lstStyle/>
-          <a:p>
-            <a:pPr algn="ctr"/>
-            <a:endParaRPr lang="en-US"/>
-          </a:p>
-        </p:txBody>
-      </p:sp>
       <p:pic>
         <p:nvPicPr>
-          <p:cNvPr id="33" name="Image 32">
-            <a:extLst>
-              <a:ext uri="{FF2B5EF4-FFF2-40B4-BE49-F238E27FC236}">
-                <a16:creationId xmlns:a16="http://schemas.microsoft.com/office/drawing/2014/main" id="{6BC6C590-3C4D-4BF7-AE37-FEC61D14AFDD}"/>
+          <p:cNvPr id="4" name="Image 3">
+            <a:extLst>
+              <a:ext uri="{FF2B5EF4-FFF2-40B4-BE49-F238E27FC236}">
+                <a16:creationId xmlns:a16="http://schemas.microsoft.com/office/drawing/2014/main" id="{D3F1A527-5274-438D-903E-313A0CE3A726}"/>
               </a:ext>
             </a:extLst>
           </p:cNvPr>
@@ -11577,366 +11758,26 @@
           </p:cNvPicPr>
           <p:nvPr/>
         </p:nvPicPr>
-        <p:blipFill rotWithShape="1">
+        <p:blipFill>
           <a:blip r:embed="rId2"/>
-          <a:srcRect l="-42" t="15061" r="4943" b="3228"/>
-          <a:stretch/>
+          <a:stretch>
+            <a:fillRect/>
+          </a:stretch>
         </p:blipFill>
         <p:spPr>
           <a:xfrm>
-            <a:off x="5185356" y="4960460"/>
-            <a:ext cx="3868994" cy="2783422"/>
+            <a:off x="2076101" y="647459"/>
+            <a:ext cx="8039797" cy="5563082"/>
           </a:xfrm>
           <a:prstGeom prst="rect">
             <a:avLst/>
           </a:prstGeom>
         </p:spPr>
       </p:pic>
-      <p:pic>
-        <p:nvPicPr>
-          <p:cNvPr id="30" name="Image 29">
-            <a:extLst>
-              <a:ext uri="{FF2B5EF4-FFF2-40B4-BE49-F238E27FC236}">
-                <a16:creationId xmlns:a16="http://schemas.microsoft.com/office/drawing/2014/main" id="{91424227-A9ED-4F4B-95F7-D09430553147}"/>
-              </a:ext>
-            </a:extLst>
-          </p:cNvPr>
-          <p:cNvPicPr>
-            <a:picLocks noChangeAspect="1"/>
-          </p:cNvPicPr>
-          <p:nvPr/>
-        </p:nvPicPr>
-        <p:blipFill rotWithShape="1">
-          <a:blip r:embed="rId3"/>
-          <a:srcRect t="16311" r="4943" b="3973"/>
-          <a:stretch/>
-        </p:blipFill>
-        <p:spPr>
-          <a:xfrm>
-            <a:off x="1124338" y="5028391"/>
-            <a:ext cx="3795848" cy="2715491"/>
-          </a:xfrm>
-          <a:prstGeom prst="rect">
-            <a:avLst/>
-          </a:prstGeom>
-        </p:spPr>
-      </p:pic>
-      <p:pic>
-        <p:nvPicPr>
-          <p:cNvPr id="9" name="Image 8">
-            <a:extLst>
-              <a:ext uri="{FF2B5EF4-FFF2-40B4-BE49-F238E27FC236}">
-                <a16:creationId xmlns:a16="http://schemas.microsoft.com/office/drawing/2014/main" id="{7FF607F5-4536-41E1-8F17-0AADF1912EBB}"/>
-              </a:ext>
-            </a:extLst>
-          </p:cNvPr>
-          <p:cNvPicPr>
-            <a:picLocks noChangeAspect="1"/>
-          </p:cNvPicPr>
-          <p:nvPr/>
-        </p:nvPicPr>
-        <p:blipFill rotWithShape="1">
-          <a:blip r:embed="rId4"/>
-          <a:srcRect l="270" t="14859" r="4673" b="3431"/>
-          <a:stretch/>
-        </p:blipFill>
-        <p:spPr>
-          <a:xfrm>
-            <a:off x="1124338" y="2175697"/>
-            <a:ext cx="3795848" cy="2783422"/>
-          </a:xfrm>
-          <a:prstGeom prst="rect">
-            <a:avLst/>
-          </a:prstGeom>
-        </p:spPr>
-      </p:pic>
-      <p:pic>
-        <p:nvPicPr>
-          <p:cNvPr id="10" name="Image 9">
-            <a:extLst>
-              <a:ext uri="{FF2B5EF4-FFF2-40B4-BE49-F238E27FC236}">
-                <a16:creationId xmlns:a16="http://schemas.microsoft.com/office/drawing/2014/main" id="{02B07046-2F77-41E5-8746-54300A70DE51}"/>
-              </a:ext>
-            </a:extLst>
-          </p:cNvPr>
-          <p:cNvPicPr>
-            <a:picLocks noChangeAspect="1"/>
-          </p:cNvPicPr>
-          <p:nvPr/>
-        </p:nvPicPr>
-        <p:blipFill rotWithShape="1">
-          <a:blip r:embed="rId5"/>
-          <a:srcRect t="16012" r="4943" b="2277"/>
-          <a:stretch/>
-        </p:blipFill>
-        <p:spPr>
-          <a:xfrm>
-            <a:off x="5185356" y="2175697"/>
-            <a:ext cx="3795848" cy="2783423"/>
-          </a:xfrm>
-          <a:prstGeom prst="rect">
-            <a:avLst/>
-          </a:prstGeom>
-        </p:spPr>
-      </p:pic>
-      <p:sp>
-        <p:nvSpPr>
-          <p:cNvPr id="26" name="ZoneTexte 25">
-            <a:extLst>
-              <a:ext uri="{FF2B5EF4-FFF2-40B4-BE49-F238E27FC236}">
-                <a16:creationId xmlns:a16="http://schemas.microsoft.com/office/drawing/2014/main" id="{38FC39F2-AC53-43FC-A9EA-0B6ADE43FB49}"/>
-              </a:ext>
-            </a:extLst>
-          </p:cNvPr>
-          <p:cNvSpPr txBox="1"/>
-          <p:nvPr/>
-        </p:nvSpPr>
-        <p:spPr>
-          <a:xfrm>
-            <a:off x="3711708" y="2339048"/>
-            <a:ext cx="1274618" cy="461665"/>
-          </a:xfrm>
-          <a:prstGeom prst="rect">
-            <a:avLst/>
-          </a:prstGeom>
-          <a:noFill/>
-        </p:spPr>
-        <p:txBody>
-          <a:bodyPr wrap="square" rtlCol="0">
-            <a:spAutoFit/>
-          </a:bodyPr>
-          <a:lstStyle/>
-          <a:p>
-            <a:r>
-              <a:rPr lang="en-US" sz="2400" dirty="0"/>
-              <a:t>library2</a:t>
-            </a:r>
-          </a:p>
-        </p:txBody>
-      </p:sp>
-      <p:sp>
-        <p:nvSpPr>
-          <p:cNvPr id="27" name="ZoneTexte 26">
-            <a:extLst>
-              <a:ext uri="{FF2B5EF4-FFF2-40B4-BE49-F238E27FC236}">
-                <a16:creationId xmlns:a16="http://schemas.microsoft.com/office/drawing/2014/main" id="{96C33D78-97FC-47EB-9318-DD83E991AE95}"/>
-              </a:ext>
-            </a:extLst>
-          </p:cNvPr>
-          <p:cNvSpPr txBox="1"/>
-          <p:nvPr/>
-        </p:nvSpPr>
-        <p:spPr>
-          <a:xfrm>
-            <a:off x="3425380" y="5122470"/>
-            <a:ext cx="1560946" cy="461665"/>
-          </a:xfrm>
-          <a:prstGeom prst="rect">
-            <a:avLst/>
-          </a:prstGeom>
-          <a:noFill/>
-        </p:spPr>
-        <p:txBody>
-          <a:bodyPr wrap="square" rtlCol="0">
-            <a:spAutoFit/>
-          </a:bodyPr>
-          <a:lstStyle/>
-          <a:p>
-            <a:r>
-              <a:rPr lang="en-US" sz="2400" dirty="0"/>
-              <a:t>library2_2</a:t>
-            </a:r>
-          </a:p>
-        </p:txBody>
-      </p:sp>
-      <p:sp>
-        <p:nvSpPr>
-          <p:cNvPr id="28" name="ZoneTexte 27">
-            <a:extLst>
-              <a:ext uri="{FF2B5EF4-FFF2-40B4-BE49-F238E27FC236}">
-                <a16:creationId xmlns:a16="http://schemas.microsoft.com/office/drawing/2014/main" id="{B0A378D1-7C62-4F52-842B-867B8630D4BF}"/>
-              </a:ext>
-            </a:extLst>
-          </p:cNvPr>
-          <p:cNvSpPr txBox="1"/>
-          <p:nvPr/>
-        </p:nvSpPr>
-        <p:spPr>
-          <a:xfrm>
-            <a:off x="7493404" y="5122469"/>
-            <a:ext cx="1560946" cy="461665"/>
-          </a:xfrm>
-          <a:prstGeom prst="rect">
-            <a:avLst/>
-          </a:prstGeom>
-          <a:noFill/>
-        </p:spPr>
-        <p:txBody>
-          <a:bodyPr wrap="square" rtlCol="0">
-            <a:spAutoFit/>
-          </a:bodyPr>
-          <a:lstStyle/>
-          <a:p>
-            <a:r>
-              <a:rPr lang="en-US" sz="2400" dirty="0"/>
-              <a:t>library2_3</a:t>
-            </a:r>
-          </a:p>
-        </p:txBody>
-      </p:sp>
-      <p:sp>
-        <p:nvSpPr>
-          <p:cNvPr id="29" name="ZoneTexte 28">
-            <a:extLst>
-              <a:ext uri="{FF2B5EF4-FFF2-40B4-BE49-F238E27FC236}">
-                <a16:creationId xmlns:a16="http://schemas.microsoft.com/office/drawing/2014/main" id="{79D3C1F9-0E01-4D46-A14C-5F9DB99A6FD7}"/>
-              </a:ext>
-            </a:extLst>
-          </p:cNvPr>
-          <p:cNvSpPr txBox="1"/>
-          <p:nvPr/>
-        </p:nvSpPr>
-        <p:spPr>
-          <a:xfrm>
-            <a:off x="7779732" y="2339047"/>
-            <a:ext cx="1274618" cy="461665"/>
-          </a:xfrm>
-          <a:prstGeom prst="rect">
-            <a:avLst/>
-          </a:prstGeom>
-          <a:noFill/>
-        </p:spPr>
-        <p:txBody>
-          <a:bodyPr wrap="square" rtlCol="0">
-            <a:spAutoFit/>
-          </a:bodyPr>
-          <a:lstStyle/>
-          <a:p>
-            <a:r>
-              <a:rPr lang="en-US" sz="2400" dirty="0"/>
-              <a:t>library2</a:t>
-            </a:r>
-          </a:p>
-        </p:txBody>
-      </p:sp>
-      <p:pic>
-        <p:nvPicPr>
-          <p:cNvPr id="2" name="Image 1">
-            <a:extLst>
-              <a:ext uri="{FF2B5EF4-FFF2-40B4-BE49-F238E27FC236}">
-                <a16:creationId xmlns:a16="http://schemas.microsoft.com/office/drawing/2014/main" id="{186DB5B5-172D-42E7-BA5D-0C05854EA059}"/>
-              </a:ext>
-            </a:extLst>
-          </p:cNvPr>
-          <p:cNvPicPr>
-            <a:picLocks noChangeAspect="1"/>
-          </p:cNvPicPr>
-          <p:nvPr/>
-        </p:nvPicPr>
-        <p:blipFill rotWithShape="1">
-          <a:blip r:embed="rId6"/>
-          <a:srcRect t="15765" r="6001" b="4161"/>
-          <a:stretch/>
-        </p:blipFill>
-        <p:spPr>
-          <a:xfrm>
-            <a:off x="1124338" y="-430244"/>
-            <a:ext cx="3715518" cy="2700020"/>
-          </a:xfrm>
-          <a:prstGeom prst="rect">
-            <a:avLst/>
-          </a:prstGeom>
-        </p:spPr>
-      </p:pic>
-      <p:sp>
-        <p:nvSpPr>
-          <p:cNvPr id="4" name="ZoneTexte 3">
-            <a:extLst>
-              <a:ext uri="{FF2B5EF4-FFF2-40B4-BE49-F238E27FC236}">
-                <a16:creationId xmlns:a16="http://schemas.microsoft.com/office/drawing/2014/main" id="{A08FBF4A-6C3B-47AC-8DF6-2BE24A31EFE4}"/>
-              </a:ext>
-            </a:extLst>
-          </p:cNvPr>
-          <p:cNvSpPr txBox="1"/>
-          <p:nvPr/>
-        </p:nvSpPr>
-        <p:spPr>
-          <a:xfrm>
-            <a:off x="5780580" y="0"/>
-            <a:ext cx="2789382" cy="1200329"/>
-          </a:xfrm>
-          <a:prstGeom prst="rect">
-            <a:avLst/>
-          </a:prstGeom>
-          <a:noFill/>
-        </p:spPr>
-        <p:txBody>
-          <a:bodyPr wrap="square" rtlCol="0">
-            <a:spAutoFit/>
-          </a:bodyPr>
-          <a:lstStyle/>
-          <a:p>
-            <a:r>
-              <a:rPr lang="en-US" b="1" dirty="0"/>
-              <a:t>ID = 28</a:t>
-            </a:r>
-          </a:p>
-          <a:p>
-            <a:r>
-              <a:rPr lang="en-US" dirty="0"/>
-              <a:t>MS1 scan is the same in library2, library2_2 or library2_3 !</a:t>
-            </a:r>
-          </a:p>
-        </p:txBody>
-      </p:sp>
-      <p:cxnSp>
-        <p:nvCxnSpPr>
-          <p:cNvPr id="6" name="Connecteur droit avec flèche 5">
-            <a:extLst>
-              <a:ext uri="{FF2B5EF4-FFF2-40B4-BE49-F238E27FC236}">
-                <a16:creationId xmlns:a16="http://schemas.microsoft.com/office/drawing/2014/main" id="{DD00EF1A-A687-406F-84C2-7118F3750FCA}"/>
-              </a:ext>
-            </a:extLst>
-          </p:cNvPr>
-          <p:cNvCxnSpPr>
-            <a:stCxn id="4" idx="1"/>
-          </p:cNvCxnSpPr>
-          <p:nvPr/>
-        </p:nvCxnSpPr>
-        <p:spPr>
-          <a:xfrm flipH="1" flipV="1">
-            <a:off x="4404435" y="600164"/>
-            <a:ext cx="1376145" cy="1"/>
-          </a:xfrm>
-          <a:prstGeom prst="straightConnector1">
-            <a:avLst/>
-          </a:prstGeom>
-          <a:ln w="19050">
-            <a:solidFill>
-              <a:srgbClr val="FF0000"/>
-            </a:solidFill>
-            <a:tailEnd type="triangle"/>
-          </a:ln>
-        </p:spPr>
-        <p:style>
-          <a:lnRef idx="1">
-            <a:schemeClr val="accent1"/>
-          </a:lnRef>
-          <a:fillRef idx="0">
-            <a:schemeClr val="accent1"/>
-          </a:fillRef>
-          <a:effectRef idx="0">
-            <a:schemeClr val="accent1"/>
-          </a:effectRef>
-          <a:fontRef idx="minor">
-            <a:schemeClr val="tx1"/>
-          </a:fontRef>
-        </p:style>
-      </p:cxnSp>
     </p:spTree>
     <p:extLst>
       <p:ext uri="{BB962C8B-B14F-4D97-AF65-F5344CB8AC3E}">
-        <p14:creationId xmlns:p14="http://schemas.microsoft.com/office/powerpoint/2010/main" val="444585465"/>
+        <p14:creationId xmlns:p14="http://schemas.microsoft.com/office/powerpoint/2010/main" val="3720127712"/>
       </p:ext>
     </p:extLst>
   </p:cSld>
@@ -11963,12 +11804,66 @@
           <a:chExt cx="0" cy="0"/>
         </a:xfrm>
       </p:grpSpPr>
+      <p:sp>
+        <p:nvSpPr>
+          <p:cNvPr id="34" name="Rectangle 33">
+            <a:extLst>
+              <a:ext uri="{FF2B5EF4-FFF2-40B4-BE49-F238E27FC236}">
+                <a16:creationId xmlns:a16="http://schemas.microsoft.com/office/drawing/2014/main" id="{3B7AB05D-59C0-412F-90BA-E7538D3CFD01}"/>
+              </a:ext>
+            </a:extLst>
+          </p:cNvPr>
+          <p:cNvSpPr/>
+          <p:nvPr/>
+        </p:nvSpPr>
+        <p:spPr>
+          <a:xfrm>
+            <a:off x="1218607" y="-499516"/>
+            <a:ext cx="7925393" cy="8243397"/>
+          </a:xfrm>
+          <a:prstGeom prst="rect">
+            <a:avLst/>
+          </a:prstGeom>
+          <a:solidFill>
+            <a:schemeClr val="bg1"/>
+          </a:solidFill>
+          <a:ln>
+            <a:solidFill>
+              <a:schemeClr val="bg1"/>
+            </a:solidFill>
+          </a:ln>
+        </p:spPr>
+        <p:style>
+          <a:lnRef idx="2">
+            <a:schemeClr val="accent1">
+              <a:shade val="50000"/>
+            </a:schemeClr>
+          </a:lnRef>
+          <a:fillRef idx="1">
+            <a:schemeClr val="accent1"/>
+          </a:fillRef>
+          <a:effectRef idx="0">
+            <a:schemeClr val="accent1"/>
+          </a:effectRef>
+          <a:fontRef idx="minor">
+            <a:schemeClr val="lt1"/>
+          </a:fontRef>
+        </p:style>
+        <p:txBody>
+          <a:bodyPr rtlCol="0" anchor="ctr"/>
+          <a:lstStyle/>
+          <a:p>
+            <a:pPr algn="ctr"/>
+            <a:endParaRPr lang="en-US"/>
+          </a:p>
+        </p:txBody>
+      </p:sp>
       <p:pic>
         <p:nvPicPr>
-          <p:cNvPr id="4" name="Image 3">
-            <a:extLst>
-              <a:ext uri="{FF2B5EF4-FFF2-40B4-BE49-F238E27FC236}">
-                <a16:creationId xmlns:a16="http://schemas.microsoft.com/office/drawing/2014/main" id="{7948D92B-6A99-487D-A9B8-3A137E3283B8}"/>
+          <p:cNvPr id="33" name="Image 32">
+            <a:extLst>
+              <a:ext uri="{FF2B5EF4-FFF2-40B4-BE49-F238E27FC236}">
+                <a16:creationId xmlns:a16="http://schemas.microsoft.com/office/drawing/2014/main" id="{6BC6C590-3C4D-4BF7-AE37-FEC61D14AFDD}"/>
               </a:ext>
             </a:extLst>
           </p:cNvPr>
@@ -11977,178 +11872,344 @@
           </p:cNvPicPr>
           <p:nvPr/>
         </p:nvPicPr>
-        <p:blipFill>
+        <p:blipFill rotWithShape="1">
           <a:blip r:embed="rId2"/>
-          <a:stretch>
-            <a:fillRect/>
-          </a:stretch>
+          <a:srcRect l="-42" t="15061" r="4943" b="3228"/>
+          <a:stretch/>
         </p:blipFill>
         <p:spPr>
           <a:xfrm>
-            <a:off x="1875349" y="850496"/>
-            <a:ext cx="4839119" cy="3993226"/>
+            <a:off x="5185356" y="4960460"/>
+            <a:ext cx="3868994" cy="2783422"/>
           </a:xfrm>
           <a:prstGeom prst="rect">
             <a:avLst/>
           </a:prstGeom>
         </p:spPr>
       </p:pic>
+      <p:pic>
+        <p:nvPicPr>
+          <p:cNvPr id="30" name="Image 29">
+            <a:extLst>
+              <a:ext uri="{FF2B5EF4-FFF2-40B4-BE49-F238E27FC236}">
+                <a16:creationId xmlns:a16="http://schemas.microsoft.com/office/drawing/2014/main" id="{91424227-A9ED-4F4B-95F7-D09430553147}"/>
+              </a:ext>
+            </a:extLst>
+          </p:cNvPr>
+          <p:cNvPicPr>
+            <a:picLocks noChangeAspect="1"/>
+          </p:cNvPicPr>
+          <p:nvPr/>
+        </p:nvPicPr>
+        <p:blipFill rotWithShape="1">
+          <a:blip r:embed="rId3"/>
+          <a:srcRect t="16311" r="4943" b="3973"/>
+          <a:stretch/>
+        </p:blipFill>
+        <p:spPr>
+          <a:xfrm>
+            <a:off x="1124338" y="5028391"/>
+            <a:ext cx="3795848" cy="2715491"/>
+          </a:xfrm>
+          <a:prstGeom prst="rect">
+            <a:avLst/>
+          </a:prstGeom>
+        </p:spPr>
+      </p:pic>
+      <p:pic>
+        <p:nvPicPr>
+          <p:cNvPr id="9" name="Image 8">
+            <a:extLst>
+              <a:ext uri="{FF2B5EF4-FFF2-40B4-BE49-F238E27FC236}">
+                <a16:creationId xmlns:a16="http://schemas.microsoft.com/office/drawing/2014/main" id="{7FF607F5-4536-41E1-8F17-0AADF1912EBB}"/>
+              </a:ext>
+            </a:extLst>
+          </p:cNvPr>
+          <p:cNvPicPr>
+            <a:picLocks noChangeAspect="1"/>
+          </p:cNvPicPr>
+          <p:nvPr/>
+        </p:nvPicPr>
+        <p:blipFill rotWithShape="1">
+          <a:blip r:embed="rId4"/>
+          <a:srcRect l="270" t="14859" r="4673" b="3431"/>
+          <a:stretch/>
+        </p:blipFill>
+        <p:spPr>
+          <a:xfrm>
+            <a:off x="1124338" y="2175697"/>
+            <a:ext cx="3795848" cy="2783422"/>
+          </a:xfrm>
+          <a:prstGeom prst="rect">
+            <a:avLst/>
+          </a:prstGeom>
+        </p:spPr>
+      </p:pic>
+      <p:pic>
+        <p:nvPicPr>
+          <p:cNvPr id="10" name="Image 9">
+            <a:extLst>
+              <a:ext uri="{FF2B5EF4-FFF2-40B4-BE49-F238E27FC236}">
+                <a16:creationId xmlns:a16="http://schemas.microsoft.com/office/drawing/2014/main" id="{02B07046-2F77-41E5-8746-54300A70DE51}"/>
+              </a:ext>
+            </a:extLst>
+          </p:cNvPr>
+          <p:cNvPicPr>
+            <a:picLocks noChangeAspect="1"/>
+          </p:cNvPicPr>
+          <p:nvPr/>
+        </p:nvPicPr>
+        <p:blipFill rotWithShape="1">
+          <a:blip r:embed="rId5"/>
+          <a:srcRect t="16012" r="4943" b="2277"/>
+          <a:stretch/>
+        </p:blipFill>
+        <p:spPr>
+          <a:xfrm>
+            <a:off x="5185356" y="2175697"/>
+            <a:ext cx="3795848" cy="2783423"/>
+          </a:xfrm>
+          <a:prstGeom prst="rect">
+            <a:avLst/>
+          </a:prstGeom>
+        </p:spPr>
+      </p:pic>
+      <p:sp>
+        <p:nvSpPr>
+          <p:cNvPr id="26" name="ZoneTexte 25">
+            <a:extLst>
+              <a:ext uri="{FF2B5EF4-FFF2-40B4-BE49-F238E27FC236}">
+                <a16:creationId xmlns:a16="http://schemas.microsoft.com/office/drawing/2014/main" id="{38FC39F2-AC53-43FC-A9EA-0B6ADE43FB49}"/>
+              </a:ext>
+            </a:extLst>
+          </p:cNvPr>
+          <p:cNvSpPr txBox="1"/>
+          <p:nvPr/>
+        </p:nvSpPr>
+        <p:spPr>
+          <a:xfrm>
+            <a:off x="3711708" y="2339048"/>
+            <a:ext cx="1274618" cy="461665"/>
+          </a:xfrm>
+          <a:prstGeom prst="rect">
+            <a:avLst/>
+          </a:prstGeom>
+          <a:noFill/>
+        </p:spPr>
+        <p:txBody>
+          <a:bodyPr wrap="square" rtlCol="0">
+            <a:spAutoFit/>
+          </a:bodyPr>
+          <a:lstStyle/>
+          <a:p>
+            <a:r>
+              <a:rPr lang="en-US" sz="2400" dirty="0"/>
+              <a:t>library2</a:t>
+            </a:r>
+          </a:p>
+        </p:txBody>
+      </p:sp>
+      <p:sp>
+        <p:nvSpPr>
+          <p:cNvPr id="27" name="ZoneTexte 26">
+            <a:extLst>
+              <a:ext uri="{FF2B5EF4-FFF2-40B4-BE49-F238E27FC236}">
+                <a16:creationId xmlns:a16="http://schemas.microsoft.com/office/drawing/2014/main" id="{96C33D78-97FC-47EB-9318-DD83E991AE95}"/>
+              </a:ext>
+            </a:extLst>
+          </p:cNvPr>
+          <p:cNvSpPr txBox="1"/>
+          <p:nvPr/>
+        </p:nvSpPr>
+        <p:spPr>
+          <a:xfrm>
+            <a:off x="3425380" y="5122470"/>
+            <a:ext cx="1560946" cy="461665"/>
+          </a:xfrm>
+          <a:prstGeom prst="rect">
+            <a:avLst/>
+          </a:prstGeom>
+          <a:noFill/>
+        </p:spPr>
+        <p:txBody>
+          <a:bodyPr wrap="square" rtlCol="0">
+            <a:spAutoFit/>
+          </a:bodyPr>
+          <a:lstStyle/>
+          <a:p>
+            <a:r>
+              <a:rPr lang="en-US" sz="2400" dirty="0"/>
+              <a:t>library2_2</a:t>
+            </a:r>
+          </a:p>
+        </p:txBody>
+      </p:sp>
+      <p:sp>
+        <p:nvSpPr>
+          <p:cNvPr id="28" name="ZoneTexte 27">
+            <a:extLst>
+              <a:ext uri="{FF2B5EF4-FFF2-40B4-BE49-F238E27FC236}">
+                <a16:creationId xmlns:a16="http://schemas.microsoft.com/office/drawing/2014/main" id="{B0A378D1-7C62-4F52-842B-867B8630D4BF}"/>
+              </a:ext>
+            </a:extLst>
+          </p:cNvPr>
+          <p:cNvSpPr txBox="1"/>
+          <p:nvPr/>
+        </p:nvSpPr>
+        <p:spPr>
+          <a:xfrm>
+            <a:off x="7493404" y="5122469"/>
+            <a:ext cx="1560946" cy="461665"/>
+          </a:xfrm>
+          <a:prstGeom prst="rect">
+            <a:avLst/>
+          </a:prstGeom>
+          <a:noFill/>
+        </p:spPr>
+        <p:txBody>
+          <a:bodyPr wrap="square" rtlCol="0">
+            <a:spAutoFit/>
+          </a:bodyPr>
+          <a:lstStyle/>
+          <a:p>
+            <a:r>
+              <a:rPr lang="en-US" sz="2400" dirty="0"/>
+              <a:t>library2_3</a:t>
+            </a:r>
+          </a:p>
+        </p:txBody>
+      </p:sp>
+      <p:sp>
+        <p:nvSpPr>
+          <p:cNvPr id="29" name="ZoneTexte 28">
+            <a:extLst>
+              <a:ext uri="{FF2B5EF4-FFF2-40B4-BE49-F238E27FC236}">
+                <a16:creationId xmlns:a16="http://schemas.microsoft.com/office/drawing/2014/main" id="{79D3C1F9-0E01-4D46-A14C-5F9DB99A6FD7}"/>
+              </a:ext>
+            </a:extLst>
+          </p:cNvPr>
+          <p:cNvSpPr txBox="1"/>
+          <p:nvPr/>
+        </p:nvSpPr>
+        <p:spPr>
+          <a:xfrm>
+            <a:off x="7779732" y="2339047"/>
+            <a:ext cx="1274618" cy="461665"/>
+          </a:xfrm>
+          <a:prstGeom prst="rect">
+            <a:avLst/>
+          </a:prstGeom>
+          <a:noFill/>
+        </p:spPr>
+        <p:txBody>
+          <a:bodyPr wrap="square" rtlCol="0">
+            <a:spAutoFit/>
+          </a:bodyPr>
+          <a:lstStyle/>
+          <a:p>
+            <a:r>
+              <a:rPr lang="en-US" sz="2400" dirty="0"/>
+              <a:t>library2</a:t>
+            </a:r>
+          </a:p>
+        </p:txBody>
+      </p:sp>
+      <p:pic>
+        <p:nvPicPr>
+          <p:cNvPr id="2" name="Image 1">
+            <a:extLst>
+              <a:ext uri="{FF2B5EF4-FFF2-40B4-BE49-F238E27FC236}">
+                <a16:creationId xmlns:a16="http://schemas.microsoft.com/office/drawing/2014/main" id="{186DB5B5-172D-42E7-BA5D-0C05854EA059}"/>
+              </a:ext>
+            </a:extLst>
+          </p:cNvPr>
+          <p:cNvPicPr>
+            <a:picLocks noChangeAspect="1"/>
+          </p:cNvPicPr>
+          <p:nvPr/>
+        </p:nvPicPr>
+        <p:blipFill rotWithShape="1">
+          <a:blip r:embed="rId6"/>
+          <a:srcRect t="15765" r="6001" b="4161"/>
+          <a:stretch/>
+        </p:blipFill>
+        <p:spPr>
+          <a:xfrm>
+            <a:off x="1124338" y="-430244"/>
+            <a:ext cx="3715518" cy="2700020"/>
+          </a:xfrm>
+          <a:prstGeom prst="rect">
+            <a:avLst/>
+          </a:prstGeom>
+        </p:spPr>
+      </p:pic>
+      <p:sp>
+        <p:nvSpPr>
+          <p:cNvPr id="4" name="ZoneTexte 3">
+            <a:extLst>
+              <a:ext uri="{FF2B5EF4-FFF2-40B4-BE49-F238E27FC236}">
+                <a16:creationId xmlns:a16="http://schemas.microsoft.com/office/drawing/2014/main" id="{A08FBF4A-6C3B-47AC-8DF6-2BE24A31EFE4}"/>
+              </a:ext>
+            </a:extLst>
+          </p:cNvPr>
+          <p:cNvSpPr txBox="1"/>
+          <p:nvPr/>
+        </p:nvSpPr>
+        <p:spPr>
+          <a:xfrm>
+            <a:off x="5780580" y="0"/>
+            <a:ext cx="2789382" cy="1200329"/>
+          </a:xfrm>
+          <a:prstGeom prst="rect">
+            <a:avLst/>
+          </a:prstGeom>
+          <a:noFill/>
+        </p:spPr>
+        <p:txBody>
+          <a:bodyPr wrap="square" rtlCol="0">
+            <a:spAutoFit/>
+          </a:bodyPr>
+          <a:lstStyle/>
+          <a:p>
+            <a:r>
+              <a:rPr lang="en-US" b="1" dirty="0"/>
+              <a:t>ID = 28</a:t>
+            </a:r>
+          </a:p>
+          <a:p>
+            <a:r>
+              <a:rPr lang="en-US" dirty="0"/>
+              <a:t>MS1 scan is the same in library2, library2_2 or library2_3 !</a:t>
+            </a:r>
+          </a:p>
+        </p:txBody>
+      </p:sp>
       <p:cxnSp>
         <p:nvCxnSpPr>
           <p:cNvPr id="6" name="Connecteur droit avec flèche 5">
             <a:extLst>
               <a:ext uri="{FF2B5EF4-FFF2-40B4-BE49-F238E27FC236}">
-                <a16:creationId xmlns:a16="http://schemas.microsoft.com/office/drawing/2014/main" id="{5C4EBA06-2290-4667-B749-2CCAAAE1225A}"/>
+                <a16:creationId xmlns:a16="http://schemas.microsoft.com/office/drawing/2014/main" id="{DD00EF1A-A687-406F-84C2-7118F3750FCA}"/>
               </a:ext>
             </a:extLst>
           </p:cNvPr>
           <p:cNvCxnSpPr>
-            <a:cxnSpLocks/>
+            <a:stCxn id="4" idx="1"/>
           </p:cNvCxnSpPr>
           <p:nvPr/>
         </p:nvCxnSpPr>
         <p:spPr>
           <a:xfrm flipH="1" flipV="1">
-            <a:off x="5384798" y="2109052"/>
-            <a:ext cx="480292" cy="532548"/>
+            <a:off x="4404435" y="600164"/>
+            <a:ext cx="1376145" cy="1"/>
           </a:xfrm>
           <a:prstGeom prst="straightConnector1">
             <a:avLst/>
           </a:prstGeom>
-          <a:ln>
+          <a:ln w="19050">
             <a:solidFill>
-              <a:srgbClr val="0000FF"/>
+              <a:srgbClr val="FF0000"/>
             </a:solidFill>
-            <a:prstDash val="dash"/>
-            <a:tailEnd type="triangle"/>
-          </a:ln>
-        </p:spPr>
-        <p:style>
-          <a:lnRef idx="1">
-            <a:schemeClr val="accent1"/>
-          </a:lnRef>
-          <a:fillRef idx="0">
-            <a:schemeClr val="accent1"/>
-          </a:fillRef>
-          <a:effectRef idx="0">
-            <a:schemeClr val="accent1"/>
-          </a:effectRef>
-          <a:fontRef idx="minor">
-            <a:schemeClr val="tx1"/>
-          </a:fontRef>
-        </p:style>
-      </p:cxnSp>
-      <p:sp>
-        <p:nvSpPr>
-          <p:cNvPr id="7" name="ZoneTexte 6">
-            <a:extLst>
-              <a:ext uri="{FF2B5EF4-FFF2-40B4-BE49-F238E27FC236}">
-                <a16:creationId xmlns:a16="http://schemas.microsoft.com/office/drawing/2014/main" id="{B3BF6AD5-AE32-42A8-8E8A-F1596D31EDBF}"/>
-              </a:ext>
-            </a:extLst>
-          </p:cNvPr>
-          <p:cNvSpPr txBox="1"/>
-          <p:nvPr/>
-        </p:nvSpPr>
-        <p:spPr>
-          <a:xfrm>
-            <a:off x="4063999" y="1468554"/>
-            <a:ext cx="1801091" cy="830997"/>
-          </a:xfrm>
-          <a:prstGeom prst="rect">
-            <a:avLst/>
-          </a:prstGeom>
-          <a:noFill/>
-        </p:spPr>
-        <p:txBody>
-          <a:bodyPr wrap="square" rtlCol="0">
-            <a:spAutoFit/>
-          </a:bodyPr>
-          <a:lstStyle/>
-          <a:p>
-            <a:r>
-              <a:rPr lang="en-US" sz="1600" dirty="0">
-                <a:solidFill>
-                  <a:srgbClr val="0000FF"/>
-                </a:solidFill>
-              </a:rPr>
-              <a:t>m/z and intensity of matched query fragments </a:t>
-            </a:r>
-          </a:p>
-        </p:txBody>
-      </p:sp>
-      <p:cxnSp>
-        <p:nvCxnSpPr>
-          <p:cNvPr id="8" name="Connecteur droit avec flèche 7">
-            <a:extLst>
-              <a:ext uri="{FF2B5EF4-FFF2-40B4-BE49-F238E27FC236}">
-                <a16:creationId xmlns:a16="http://schemas.microsoft.com/office/drawing/2014/main" id="{1EAB709B-ECB1-4D10-94E6-D957B24873B5}"/>
-              </a:ext>
-            </a:extLst>
-          </p:cNvPr>
-          <p:cNvCxnSpPr>
-            <a:cxnSpLocks/>
-          </p:cNvCxnSpPr>
-          <p:nvPr/>
-        </p:nvCxnSpPr>
-        <p:spPr>
-          <a:xfrm flipH="1" flipV="1">
-            <a:off x="4904506" y="2299551"/>
-            <a:ext cx="480292" cy="1616667"/>
-          </a:xfrm>
-          <a:prstGeom prst="straightConnector1">
-            <a:avLst/>
-          </a:prstGeom>
-          <a:ln>
-            <a:solidFill>
-              <a:srgbClr val="0000FF"/>
-            </a:solidFill>
-            <a:prstDash val="dash"/>
-            <a:tailEnd type="triangle"/>
-          </a:ln>
-        </p:spPr>
-        <p:style>
-          <a:lnRef idx="1">
-            <a:schemeClr val="accent1"/>
-          </a:lnRef>
-          <a:fillRef idx="0">
-            <a:schemeClr val="accent1"/>
-          </a:fillRef>
-          <a:effectRef idx="0">
-            <a:schemeClr val="accent1"/>
-          </a:effectRef>
-          <a:fontRef idx="minor">
-            <a:schemeClr val="tx1"/>
-          </a:fontRef>
-        </p:style>
-      </p:cxnSp>
-      <p:cxnSp>
-        <p:nvCxnSpPr>
-          <p:cNvPr id="9" name="Connecteur droit avec flèche 8">
-            <a:extLst>
-              <a:ext uri="{FF2B5EF4-FFF2-40B4-BE49-F238E27FC236}">
-                <a16:creationId xmlns:a16="http://schemas.microsoft.com/office/drawing/2014/main" id="{9799DB40-8FFA-4DCC-A903-BA95FFC3E68E}"/>
-              </a:ext>
-            </a:extLst>
-          </p:cNvPr>
-          <p:cNvCxnSpPr>
-            <a:cxnSpLocks/>
-          </p:cNvCxnSpPr>
-          <p:nvPr/>
-        </p:nvCxnSpPr>
-        <p:spPr>
-          <a:xfrm flipV="1">
-            <a:off x="3768436" y="2299551"/>
-            <a:ext cx="711194" cy="1044013"/>
-          </a:xfrm>
-          <a:prstGeom prst="straightConnector1">
-            <a:avLst/>
-          </a:prstGeom>
-          <a:ln>
-            <a:solidFill>
-              <a:srgbClr val="0000FF"/>
-            </a:solidFill>
-            <a:prstDash val="dash"/>
             <a:tailEnd type="triangle"/>
           </a:ln>
         </p:spPr>
@@ -12170,7 +12231,7 @@
     </p:spTree>
     <p:extLst>
       <p:ext uri="{BB962C8B-B14F-4D97-AF65-F5344CB8AC3E}">
-        <p14:creationId xmlns:p14="http://schemas.microsoft.com/office/powerpoint/2010/main" val="2483153400"/>
+        <p14:creationId xmlns:p14="http://schemas.microsoft.com/office/powerpoint/2010/main" val="444585465"/>
       </p:ext>
     </p:extLst>
   </p:cSld>

--- a/inst/tmp.pptx
+++ b/inst/tmp.pptx
@@ -5,7 +5,7 @@
     <p:sldMasterId id="2147483648" r:id="rId1"/>
   </p:sldMasterIdLst>
   <p:notesMasterIdLst>
-    <p:notesMasterId r:id="rId9"/>
+    <p:notesMasterId r:id="rId10"/>
   </p:notesMasterIdLst>
   <p:sldIdLst>
     <p:sldId id="256" r:id="rId2"/>
@@ -15,6 +15,7 @@
     <p:sldId id="265" r:id="rId6"/>
     <p:sldId id="267" r:id="rId7"/>
     <p:sldId id="268" r:id="rId8"/>
+    <p:sldId id="269" r:id="rId9"/>
   </p:sldIdLst>
   <p:sldSz cx="12192000" cy="6858000"/>
   <p:notesSz cx="6858000" cy="9144000"/>
@@ -6682,10 +6683,156 @@
           <a:chExt cx="0" cy="0"/>
         </a:xfrm>
       </p:grpSpPr>
+      <p:pic>
+        <p:nvPicPr>
+          <p:cNvPr id="2" name="Image 1">
+            <a:extLst>
+              <a:ext uri="{FF2B5EF4-FFF2-40B4-BE49-F238E27FC236}">
+                <a16:creationId xmlns:a16="http://schemas.microsoft.com/office/drawing/2014/main" id="{4FB293FA-1E0C-433D-8A51-595E823EBD37}"/>
+              </a:ext>
+            </a:extLst>
+          </p:cNvPr>
+          <p:cNvPicPr>
+            <a:picLocks noChangeAspect="1"/>
+          </p:cNvPicPr>
+          <p:nvPr/>
+        </p:nvPicPr>
+        <p:blipFill rotWithShape="1">
+          <a:blip r:embed="rId2"/>
+          <a:srcRect l="3820" t="18975" r="7051" b="10933"/>
+          <a:stretch/>
+        </p:blipFill>
+        <p:spPr>
+          <a:xfrm>
+            <a:off x="1859972" y="1423555"/>
+            <a:ext cx="6431973" cy="4130003"/>
+          </a:xfrm>
+          <a:prstGeom prst="rect">
+            <a:avLst/>
+          </a:prstGeom>
+        </p:spPr>
+      </p:pic>
     </p:spTree>
     <p:extLst>
       <p:ext uri="{BB962C8B-B14F-4D97-AF65-F5344CB8AC3E}">
         <p14:creationId xmlns:p14="http://schemas.microsoft.com/office/powerpoint/2010/main" val="3184723136"/>
+      </p:ext>
+    </p:extLst>
+  </p:cSld>
+  <p:clrMapOvr>
+    <a:masterClrMapping/>
+  </p:clrMapOvr>
+</p:sld>
+</file>
+
+<file path=ppt/slides/slide8.xml><?xml version="1.0" encoding="utf-8"?>
+<p:sld xmlns:a="http://schemas.openxmlformats.org/drawingml/2006/main" xmlns:r="http://schemas.openxmlformats.org/officeDocument/2006/relationships" xmlns:p="http://schemas.openxmlformats.org/presentationml/2006/main">
+  <p:cSld>
+    <p:spTree>
+      <p:nvGrpSpPr>
+        <p:cNvPr id="1" name=""/>
+        <p:cNvGrpSpPr/>
+        <p:nvPr/>
+      </p:nvGrpSpPr>
+      <p:grpSpPr>
+        <a:xfrm>
+          <a:off x="0" y="0"/>
+          <a:ext cx="0" cy="0"/>
+          <a:chOff x="0" y="0"/>
+          <a:chExt cx="0" cy="0"/>
+        </a:xfrm>
+      </p:grpSpPr>
+      <p:pic>
+        <p:nvPicPr>
+          <p:cNvPr id="4" name="Image 3">
+            <a:extLst>
+              <a:ext uri="{FF2B5EF4-FFF2-40B4-BE49-F238E27FC236}">
+                <a16:creationId xmlns:a16="http://schemas.microsoft.com/office/drawing/2014/main" id="{6C19478E-F45E-40A6-8A0B-C78546DF4832}"/>
+              </a:ext>
+            </a:extLst>
+          </p:cNvPr>
+          <p:cNvPicPr>
+            <a:picLocks noChangeAspect="1"/>
+          </p:cNvPicPr>
+          <p:nvPr/>
+        </p:nvPicPr>
+        <p:blipFill rotWithShape="1">
+          <a:blip r:embed="rId2"/>
+          <a:srcRect l="1943" t="19567" r="3924" b="9959"/>
+          <a:stretch/>
+        </p:blipFill>
+        <p:spPr>
+          <a:xfrm>
+            <a:off x="1288473" y="635120"/>
+            <a:ext cx="4462955" cy="2728185"/>
+          </a:xfrm>
+          <a:prstGeom prst="rect">
+            <a:avLst/>
+          </a:prstGeom>
+        </p:spPr>
+      </p:pic>
+      <p:pic>
+        <p:nvPicPr>
+          <p:cNvPr id="5" name="Image 4">
+            <a:extLst>
+              <a:ext uri="{FF2B5EF4-FFF2-40B4-BE49-F238E27FC236}">
+                <a16:creationId xmlns:a16="http://schemas.microsoft.com/office/drawing/2014/main" id="{284C9446-8711-4695-A6CC-73B0BAE2051E}"/>
+              </a:ext>
+            </a:extLst>
+          </p:cNvPr>
+          <p:cNvPicPr>
+            <a:picLocks noChangeAspect="1"/>
+          </p:cNvPicPr>
+          <p:nvPr/>
+        </p:nvPicPr>
+        <p:blipFill rotWithShape="1">
+          <a:blip r:embed="rId3"/>
+          <a:srcRect l="4446" t="18210" r="5866" b="7869"/>
+          <a:stretch/>
+        </p:blipFill>
+        <p:spPr>
+          <a:xfrm>
+            <a:off x="5507181" y="635120"/>
+            <a:ext cx="4208318" cy="2832094"/>
+          </a:xfrm>
+          <a:prstGeom prst="rect">
+            <a:avLst/>
+          </a:prstGeom>
+        </p:spPr>
+      </p:pic>
+      <p:pic>
+        <p:nvPicPr>
+          <p:cNvPr id="2" name="Image 1">
+            <a:extLst>
+              <a:ext uri="{FF2B5EF4-FFF2-40B4-BE49-F238E27FC236}">
+                <a16:creationId xmlns:a16="http://schemas.microsoft.com/office/drawing/2014/main" id="{A156D9A5-439B-4650-B5F4-E8FA93D9160A}"/>
+              </a:ext>
+            </a:extLst>
+          </p:cNvPr>
+          <p:cNvPicPr>
+            <a:picLocks noChangeAspect="1"/>
+          </p:cNvPicPr>
+          <p:nvPr/>
+        </p:nvPicPr>
+        <p:blipFill rotWithShape="1">
+          <a:blip r:embed="rId4"/>
+          <a:srcRect l="11607" t="6673" r="2914" b="23664"/>
+          <a:stretch/>
+        </p:blipFill>
+        <p:spPr>
+          <a:xfrm>
+            <a:off x="2441865" y="3844636"/>
+            <a:ext cx="5305888" cy="2628900"/>
+          </a:xfrm>
+          <a:prstGeom prst="rect">
+            <a:avLst/>
+          </a:prstGeom>
+        </p:spPr>
+      </p:pic>
+    </p:spTree>
+    <p:extLst>
+      <p:ext uri="{BB962C8B-B14F-4D97-AF65-F5344CB8AC3E}">
+        <p14:creationId xmlns:p14="http://schemas.microsoft.com/office/powerpoint/2010/main" val="724617817"/>
       </p:ext>
     </p:extLst>
   </p:cSld>
